--- a/Python Web Developer-Course/Class7/Class7.pptx
+++ b/Python Web Developer-Course/Class7/Class7.pptx
@@ -5,10 +5,10 @@
     <p:sldMasterId id="2147483672" r:id="rId1"/>
   </p:sldMasterIdLst>
   <p:notesMasterIdLst>
-    <p:notesMasterId r:id="rId20"/>
+    <p:notesMasterId r:id="rId19"/>
   </p:notesMasterIdLst>
   <p:handoutMasterIdLst>
-    <p:handoutMasterId r:id="rId21"/>
+    <p:handoutMasterId r:id="rId20"/>
   </p:handoutMasterIdLst>
   <p:sldIdLst>
     <p:sldId id="256" r:id="rId2"/>
@@ -24,11 +24,10 @@
     <p:sldId id="395" r:id="rId12"/>
     <p:sldId id="390" r:id="rId13"/>
     <p:sldId id="391" r:id="rId14"/>
-    <p:sldId id="397" r:id="rId15"/>
-    <p:sldId id="398" r:id="rId16"/>
-    <p:sldId id="399" r:id="rId17"/>
-    <p:sldId id="392" r:id="rId18"/>
-    <p:sldId id="393" r:id="rId19"/>
+    <p:sldId id="398" r:id="rId15"/>
+    <p:sldId id="399" r:id="rId16"/>
+    <p:sldId id="392" r:id="rId17"/>
+    <p:sldId id="393" r:id="rId18"/>
   </p:sldIdLst>
   <p:sldSz cx="12192000" cy="6858000"/>
   <p:notesSz cx="6858000" cy="9144000"/>
@@ -138,11 +137,7 @@
 <file path=ppt/commentAuthors.xml><?xml version="1.0" encoding="utf-8"?>
 <p:cmAuthorLst xmlns:a="http://schemas.openxmlformats.org/drawingml/2006/main" xmlns:r="http://schemas.openxmlformats.org/officeDocument/2006/relationships" xmlns:p="http://schemas.openxmlformats.org/presentationml/2006/main">
   <p:cmAuthor id="1" name="Gu Baoer 顾鲍尔" initials="GB顾" lastIdx="1" clrIdx="0">
-    <p:extLst>
-      <p:ext uri="{19B8F6BF-5375-455C-9EA6-DF929625EA0E}">
-        <p15:presenceInfo xmlns:p15="http://schemas.microsoft.com/office/powerpoint/2012/main" userId="S-1-5-21-3023422269-1613895276-74376300-4668" providerId="AD"/>
-      </p:ext>
-    </p:extLst>
+    <p:extLst/>
   </p:cmAuthor>
 </p:cmAuthorLst>
 </file>
@@ -233,7 +228,7 @@
           <a:p>
             <a:fld id="{2C0917CB-AD68-473E-AC53-D805E3579EEF}" type="datetimeFigureOut">
               <a:rPr lang="zh-CN" altLang="en-US" smtClean="0"/>
-              <a:t>2015/7/1</a:t>
+              <a:t>15/10/12</a:t>
             </a:fld>
             <a:endParaRPr lang="zh-CN" altLang="en-US"/>
           </a:p>
@@ -466,7 +461,7 @@
           <a:p>
             <a:fld id="{C2905AA6-BB25-46E0-BE9D-5C9559466ECC}" type="datetimeFigureOut">
               <a:rPr lang="zh-CN" altLang="en-US" smtClean="0"/>
-              <a:t>2015/7/1</a:t>
+              <a:t>15/10/12</a:t>
             </a:fld>
             <a:endParaRPr lang="zh-CN" altLang="en-US"/>
           </a:p>
@@ -1097,7 +1092,7 @@
           <a:p>
             <a:fld id="{3961C30E-BAB1-4B7C-86AE-593B176F683E}" type="datetime1">
               <a:rPr lang="zh-CN" altLang="en-US" smtClean="0"/>
-              <a:t>2015/7/1</a:t>
+              <a:t>15/10/12</a:t>
             </a:fld>
             <a:endParaRPr lang="zh-CN" altLang="en-US"/>
           </a:p>
@@ -1309,7 +1304,7 @@
           <a:p>
             <a:fld id="{E8019CD3-6DE2-4CB7-9B57-FFF207257DD3}" type="datetime1">
               <a:rPr lang="zh-CN" altLang="en-US" smtClean="0"/>
-              <a:t>2015/7/1</a:t>
+              <a:t>15/10/12</a:t>
             </a:fld>
             <a:endParaRPr lang="zh-CN" altLang="en-US"/>
           </a:p>
@@ -1571,7 +1566,7 @@
           <a:p>
             <a:fld id="{92D28564-FE62-4F01-8F9B-851F2FD89119}" type="datetime1">
               <a:rPr lang="zh-CN" altLang="en-US" smtClean="0"/>
-              <a:t>2015/7/1</a:t>
+              <a:t>15/10/12</a:t>
             </a:fld>
             <a:endParaRPr lang="zh-CN" altLang="en-US"/>
           </a:p>
@@ -1745,7 +1740,7 @@
           <a:p>
             <a:fld id="{4F962D43-6DE6-4495-A5A9-4276BF5E08CF}" type="datetime1">
               <a:rPr lang="zh-CN" altLang="en-US" smtClean="0"/>
-              <a:t>2015/7/1</a:t>
+              <a:t>15/10/12</a:t>
             </a:fld>
             <a:endParaRPr lang="zh-CN" altLang="en-US"/>
           </a:p>
@@ -2086,7 +2081,7 @@
           <a:p>
             <a:fld id="{2816B77D-DFB1-4082-9A5B-F86F83D354E9}" type="datetime1">
               <a:rPr lang="zh-CN" altLang="en-US" smtClean="0"/>
-              <a:t>2015/7/1</a:t>
+              <a:t>15/10/12</a:t>
             </a:fld>
             <a:endParaRPr lang="zh-CN" altLang="en-US"/>
           </a:p>
@@ -2365,7 +2360,7 @@
           <a:p>
             <a:fld id="{24C7A690-A9CF-44BE-8AAE-96F28F4B7351}" type="datetime1">
               <a:rPr lang="zh-CN" altLang="en-US" smtClean="0"/>
-              <a:t>2015/7/1</a:t>
+              <a:t>15/10/12</a:t>
             </a:fld>
             <a:endParaRPr lang="zh-CN" altLang="en-US"/>
           </a:p>
@@ -2748,7 +2743,7 @@
           <a:p>
             <a:fld id="{9CF7F699-D035-43C5-A053-C61D393BDE24}" type="datetime1">
               <a:rPr lang="zh-CN" altLang="en-US" smtClean="0"/>
-              <a:t>2015/7/1</a:t>
+              <a:t>15/10/12</a:t>
             </a:fld>
             <a:endParaRPr lang="zh-CN" altLang="en-US"/>
           </a:p>
@@ -2870,7 +2865,7 @@
           <a:p>
             <a:fld id="{37B3759B-59F1-40FF-8E15-28B56999FCF2}" type="datetime1">
               <a:rPr lang="zh-CN" altLang="en-US" smtClean="0"/>
-              <a:t>2015/7/1</a:t>
+              <a:t>15/10/12</a:t>
             </a:fld>
             <a:endParaRPr lang="zh-CN" altLang="en-US"/>
           </a:p>
@@ -3047,7 +3042,7 @@
           <a:p>
             <a:fld id="{3F61EACD-3D98-4393-919E-E0DBF46BEA5C}" type="datetime1">
               <a:rPr lang="zh-CN" altLang="en-US" smtClean="0"/>
-              <a:t>2015/7/1</a:t>
+              <a:t>15/10/12</a:t>
             </a:fld>
             <a:endParaRPr lang="zh-CN" altLang="en-US"/>
           </a:p>
@@ -3407,7 +3402,7 @@
           <a:p>
             <a:fld id="{39FC6ED2-619B-4875-95ED-348158E2B2B1}" type="datetime1">
               <a:rPr lang="zh-CN" altLang="en-US" smtClean="0"/>
-              <a:t>2015/7/1</a:t>
+              <a:t>15/10/12</a:t>
             </a:fld>
             <a:endParaRPr lang="zh-CN" altLang="en-US"/>
           </a:p>
@@ -3790,7 +3785,7 @@
           <a:p>
             <a:fld id="{7E988C13-09B0-42AB-9164-E410594448E4}" type="datetime1">
               <a:rPr lang="zh-CN" altLang="en-US" smtClean="0"/>
-              <a:t>2015/7/1</a:t>
+              <a:t>15/10/12</a:t>
             </a:fld>
             <a:endParaRPr lang="zh-CN" altLang="en-US"/>
           </a:p>
@@ -4083,7 +4078,7 @@
           <a:p>
             <a:fld id="{810BD203-95EC-476E-9A45-EF97667C282E}" type="datetime1">
               <a:rPr lang="zh-CN" altLang="en-US" smtClean="0"/>
-              <a:t>2015/7/1</a:t>
+              <a:t>15/10/12</a:t>
             </a:fld>
             <a:endParaRPr lang="zh-CN" altLang="en-US"/>
           </a:p>
@@ -6206,202 +6201,6 @@
             <p:ph idx="1"/>
           </p:nvPr>
         </p:nvSpPr>
-        <p:spPr/>
-        <p:txBody>
-          <a:bodyPr>
-            <a:normAutofit/>
-          </a:bodyPr>
-          <a:lstStyle/>
-          <a:p>
-            <a:pPr>
-              <a:lnSpc>
-                <a:spcPct val="150000"/>
-              </a:lnSpc>
-            </a:pPr>
-            <a:r>
-              <a:rPr lang="en-US" altLang="zh-CN" sz="3200" dirty="0" smtClean="0"/>
-              <a:t>●</a:t>
-            </a:r>
-            <a:r>
-              <a:rPr lang="zh-CN" altLang="en-US" sz="3200" dirty="0" smtClean="0"/>
-              <a:t>安装</a:t>
-            </a:r>
-            <a:r>
-              <a:rPr lang="en-US" altLang="zh-CN" sz="3200" dirty="0" smtClean="0"/>
-              <a:t>paramiko</a:t>
-            </a:r>
-          </a:p>
-          <a:p>
-            <a:pPr>
-              <a:lnSpc>
-                <a:spcPct val="150000"/>
-              </a:lnSpc>
-            </a:pPr>
-            <a:r>
-              <a:rPr lang="en-US" altLang="zh-CN" sz="3200" dirty="0" smtClean="0"/>
-              <a:t>●</a:t>
-            </a:r>
-            <a:r>
-              <a:rPr lang="zh-CN" altLang="en-US" sz="3200" dirty="0"/>
-              <a:t>密码</a:t>
-            </a:r>
-            <a:r>
-              <a:rPr lang="zh-CN" altLang="en-US" sz="3200" dirty="0" smtClean="0"/>
-              <a:t>认证方式的开发</a:t>
-            </a:r>
-            <a:endParaRPr lang="en-US" altLang="zh-CN" sz="3200" dirty="0" smtClean="0"/>
-          </a:p>
-          <a:p>
-            <a:pPr>
-              <a:lnSpc>
-                <a:spcPct val="150000"/>
-              </a:lnSpc>
-            </a:pPr>
-            <a:r>
-              <a:rPr lang="zh-CN" altLang="zh-CN" sz="3200" dirty="0" smtClean="0"/>
-              <a:t>●</a:t>
-            </a:r>
-            <a:r>
-              <a:rPr lang="en-US" altLang="zh-CN" sz="3200" dirty="0" err="1" smtClean="0"/>
-              <a:t>PublicKey</a:t>
-            </a:r>
-            <a:r>
-              <a:rPr lang="zh-CN" altLang="en-US" sz="3200" dirty="0" smtClean="0"/>
-              <a:t>认证方式的开发</a:t>
-            </a:r>
-            <a:endParaRPr lang="en-US" altLang="zh-CN" sz="3200" dirty="0" smtClean="0"/>
-          </a:p>
-        </p:txBody>
-      </p:sp>
-    </p:spTree>
-    <p:extLst>
-      <p:ext uri="{BB962C8B-B14F-4D97-AF65-F5344CB8AC3E}">
-        <p14:creationId xmlns:p14="http://schemas.microsoft.com/office/powerpoint/2010/main" val="505095069"/>
-      </p:ext>
-    </p:extLst>
-  </p:cSld>
-  <p:clrMapOvr>
-    <a:masterClrMapping/>
-  </p:clrMapOvr>
-  <p:timing>
-    <p:tnLst>
-      <p:par>
-        <p:cTn id="1" dur="indefinite" restart="never" nodeType="tmRoot"/>
-      </p:par>
-    </p:tnLst>
-  </p:timing>
-</p:sld>
-</file>
-
-<file path=ppt/slides/slide15.xml><?xml version="1.0" encoding="utf-8"?>
-<p:sld xmlns:a="http://schemas.openxmlformats.org/drawingml/2006/main" xmlns:r="http://schemas.openxmlformats.org/officeDocument/2006/relationships" xmlns:p="http://schemas.openxmlformats.org/presentationml/2006/main">
-  <p:cSld>
-    <p:spTree>
-      <p:nvGrpSpPr>
-        <p:cNvPr id="1" name=""/>
-        <p:cNvGrpSpPr/>
-        <p:nvPr/>
-      </p:nvGrpSpPr>
-      <p:grpSpPr>
-        <a:xfrm>
-          <a:off x="0" y="0"/>
-          <a:ext cx="0" cy="0"/>
-          <a:chOff x="0" y="0"/>
-          <a:chExt cx="0" cy="0"/>
-        </a:xfrm>
-      </p:grpSpPr>
-      <p:sp>
-        <p:nvSpPr>
-          <p:cNvPr id="2" name="标题 1"/>
-          <p:cNvSpPr>
-            <a:spLocks noGrp="1"/>
-          </p:cNvSpPr>
-          <p:nvPr>
-            <p:ph type="title"/>
-          </p:nvPr>
-        </p:nvSpPr>
-        <p:spPr/>
-        <p:txBody>
-          <a:bodyPr/>
-          <a:lstStyle/>
-          <a:p>
-            <a:pPr algn="ctr"/>
-            <a:r>
-              <a:rPr lang="zh-CN" altLang="en-US" dirty="0"/>
-              <a:t>系统</a:t>
-            </a:r>
-            <a:r>
-              <a:rPr lang="zh-CN" altLang="en-US" dirty="0" smtClean="0"/>
-              <a:t>管理的利器</a:t>
-            </a:r>
-            <a:r>
-              <a:rPr lang="en-US" altLang="zh-CN" dirty="0" smtClean="0"/>
-              <a:t>—Paramiko</a:t>
-            </a:r>
-            <a:r>
-              <a:rPr lang="zh-CN" altLang="en-US" dirty="0" smtClean="0"/>
-              <a:t>模块</a:t>
-            </a:r>
-            <a:endParaRPr lang="zh-CN" altLang="en-US" dirty="0"/>
-          </a:p>
-        </p:txBody>
-      </p:sp>
-      <p:sp>
-        <p:nvSpPr>
-          <p:cNvPr id="4" name="页脚占位符 3"/>
-          <p:cNvSpPr>
-            <a:spLocks noGrp="1"/>
-          </p:cNvSpPr>
-          <p:nvPr>
-            <p:ph type="ftr" sz="quarter" idx="11"/>
-          </p:nvPr>
-        </p:nvSpPr>
-        <p:spPr/>
-        <p:txBody>
-          <a:bodyPr/>
-          <a:lstStyle/>
-          <a:p>
-            <a:r>
-              <a:rPr lang="en-US" altLang="zh-CN" smtClean="0"/>
-              <a:t>BoyleGu Python Tech </a:t>
-            </a:r>
-            <a:endParaRPr lang="zh-CN" altLang="en-US"/>
-          </a:p>
-        </p:txBody>
-      </p:sp>
-      <p:sp>
-        <p:nvSpPr>
-          <p:cNvPr id="5" name="灯片编号占位符 4"/>
-          <p:cNvSpPr>
-            <a:spLocks noGrp="1"/>
-          </p:cNvSpPr>
-          <p:nvPr>
-            <p:ph type="sldNum" sz="quarter" idx="12"/>
-          </p:nvPr>
-        </p:nvSpPr>
-        <p:spPr/>
-        <p:txBody>
-          <a:bodyPr/>
-          <a:lstStyle/>
-          <a:p>
-            <a:fld id="{B2994B5C-776C-419A-A329-C4FCCA5C0E60}" type="slidenum">
-              <a:rPr lang="zh-CN" altLang="en-US" smtClean="0"/>
-              <a:t>15</a:t>
-            </a:fld>
-            <a:endParaRPr lang="zh-CN" altLang="en-US"/>
-          </a:p>
-        </p:txBody>
-      </p:sp>
-      <p:sp>
-        <p:nvSpPr>
-          <p:cNvPr id="7" name="内容占位符 6"/>
-          <p:cNvSpPr>
-            <a:spLocks noGrp="1"/>
-          </p:cNvSpPr>
-          <p:nvPr>
-            <p:ph idx="1"/>
-          </p:nvPr>
-        </p:nvSpPr>
         <p:spPr>
           <a:xfrm>
             <a:off x="1097280" y="1845734"/>
@@ -6645,7 +6444,7 @@
 </p:sld>
 </file>
 
-<file path=ppt/slides/slide16.xml><?xml version="1.0" encoding="utf-8"?>
+<file path=ppt/slides/slide15.xml><?xml version="1.0" encoding="utf-8"?>
 <p:sld xmlns:a="http://schemas.openxmlformats.org/drawingml/2006/main" xmlns:r="http://schemas.openxmlformats.org/officeDocument/2006/relationships" xmlns:p="http://schemas.openxmlformats.org/presentationml/2006/main">
   <p:cSld>
     <p:spTree>
@@ -6738,7 +6537,7 @@
           <a:p>
             <a:fld id="{B2994B5C-776C-419A-A329-C4FCCA5C0E60}" type="slidenum">
               <a:rPr lang="zh-CN" altLang="en-US" smtClean="0"/>
-              <a:t>16</a:t>
+              <a:t>15</a:t>
             </a:fld>
             <a:endParaRPr lang="zh-CN" altLang="en-US"/>
           </a:p>
@@ -7049,7 +6848,7 @@
 </p:sld>
 </file>
 
-<file path=ppt/slides/slide17.xml><?xml version="1.0" encoding="utf-8"?>
+<file path=ppt/slides/slide16.xml><?xml version="1.0" encoding="utf-8"?>
 <p:sld xmlns:a="http://schemas.openxmlformats.org/drawingml/2006/main" xmlns:r="http://schemas.openxmlformats.org/officeDocument/2006/relationships" xmlns:p="http://schemas.openxmlformats.org/presentationml/2006/main">
   <p:cSld>
     <p:spTree>
@@ -7142,7 +6941,7 @@
           <a:p>
             <a:fld id="{B2994B5C-776C-419A-A329-C4FCCA5C0E60}" type="slidenum">
               <a:rPr lang="zh-CN" altLang="en-US" smtClean="0"/>
-              <a:t>17</a:t>
+              <a:t>16</a:t>
             </a:fld>
             <a:endParaRPr lang="zh-CN" altLang="en-US"/>
           </a:p>
@@ -7574,7 +7373,7 @@
 </p:sld>
 </file>
 
-<file path=ppt/slides/slide18.xml><?xml version="1.0" encoding="utf-8"?>
+<file path=ppt/slides/slide17.xml><?xml version="1.0" encoding="utf-8"?>
 <p:sld xmlns:a="http://schemas.openxmlformats.org/drawingml/2006/main" xmlns:r="http://schemas.openxmlformats.org/officeDocument/2006/relationships" xmlns:p="http://schemas.openxmlformats.org/presentationml/2006/main">
   <p:cSld>
     <p:spTree>
@@ -7745,7 +7544,7 @@
           <a:p>
             <a:fld id="{B2994B5C-776C-419A-A329-C4FCCA5C0E60}" type="slidenum">
               <a:rPr lang="zh-CN" altLang="en-US" smtClean="0"/>
-              <a:t>18</a:t>
+              <a:t>17</a:t>
             </a:fld>
             <a:endParaRPr lang="zh-CN" altLang="en-US"/>
           </a:p>
